--- a/figures.pptx
+++ b/figures.pptx
@@ -8675,7 +8675,7 @@
                   <a:latin typeface="Times New Roman"/>
                   <a:cs typeface="Times New Roman"/>
                 </a:rPr>
-                <a:t>2</a:t>
+                <a:t>1</a:t>
               </a:r>
               <a:r>
                 <a:rPr kumimoji="1" lang="en-US" altLang="ja-JP" dirty="0" smtClean="0">
@@ -10877,8 +10877,8 @@
         </p:nvSpPr>
         <p:spPr>
           <a:xfrm>
-            <a:off x="5511020" y="3690978"/>
-            <a:ext cx="712780" cy="369332"/>
+            <a:off x="5525008" y="3690978"/>
+            <a:ext cx="684803" cy="369332"/>
           </a:xfrm>
           <a:prstGeom prst="rect">
             <a:avLst/>
@@ -10933,7 +10933,7 @@
                 <a:latin typeface="Times New Roman"/>
                 <a:cs typeface="Times New Roman"/>
               </a:rPr>
-              <a:t>2</a:t>
+              <a:t>1</a:t>
             </a:r>
             <a:r>
               <a:rPr lang="en-US" altLang="ja-JP" dirty="0" smtClean="0">
@@ -11341,7 +11341,7 @@
         <p:spPr>
           <a:xfrm>
             <a:off x="6412105" y="274499"/>
-            <a:ext cx="1641708" cy="307777"/>
+            <a:ext cx="1641708" cy="523220"/>
           </a:xfrm>
           <a:prstGeom prst="rect">
             <a:avLst/>
@@ -11361,6 +11361,15 @@
               </a:rPr>
               <a:t>Resilient property</a:t>
             </a:r>
+          </a:p>
+          <a:p>
+            <a:r>
+              <a:rPr lang="en-US" altLang="ja-JP" sz="1400" dirty="0" smtClean="0">
+                <a:latin typeface="Times New Roman"/>
+                <a:cs typeface="Times New Roman"/>
+              </a:rPr>
+              <a:t>(Birthmark)</a:t>
+            </a:r>
             <a:endParaRPr kumimoji="1" lang="ja-JP" altLang="en-US" sz="1400" dirty="0">
               <a:latin typeface="Times New Roman"/>
               <a:cs typeface="Times New Roman"/>
@@ -11376,8 +11385,8 @@
         </p:nvSpPr>
         <p:spPr>
           <a:xfrm>
-            <a:off x="7589346" y="3425816"/>
-            <a:ext cx="1001847" cy="523220"/>
+            <a:off x="7453904" y="3425816"/>
+            <a:ext cx="1137290" cy="738664"/>
           </a:xfrm>
           <a:prstGeom prst="rect">
             <a:avLst/>
@@ -11396,6 +11405,15 @@
                 <a:cs typeface="Times New Roman"/>
               </a:rPr>
               <a:t>Credibility property</a:t>
+            </a:r>
+          </a:p>
+          <a:p>
+            <a:r>
+              <a:rPr lang="en-US" altLang="ja-JP" sz="1400" dirty="0" smtClean="0">
+                <a:latin typeface="Times New Roman"/>
+                <a:cs typeface="Times New Roman"/>
+              </a:rPr>
+              <a:t>(Birthmark)</a:t>
             </a:r>
             <a:endParaRPr kumimoji="1" lang="ja-JP" altLang="en-US" sz="1400" dirty="0">
               <a:latin typeface="Times New Roman"/>
@@ -11431,17 +11449,10 @@
                 <a:latin typeface="Times New Roman"/>
                 <a:cs typeface="Times New Roman"/>
               </a:rPr>
-              <a:t>Evaluation aspect of </a:t>
-            </a:r>
-            <a:r>
-              <a:rPr lang="en-US" altLang="ja-JP" sz="1400" smtClean="0">
-                <a:latin typeface="Times New Roman"/>
-                <a:cs typeface="Times New Roman"/>
-              </a:rPr>
-              <a:t>t</a:t>
-            </a:r>
-            <a:r>
-              <a:rPr kumimoji="1" lang="en-US" altLang="ja-JP" sz="1400" smtClean="0">
+              <a:t>Evaluation aspect of t</a:t>
+            </a:r>
+            <a:r>
+              <a:rPr kumimoji="1" lang="en-US" altLang="ja-JP" sz="1400" dirty="0" smtClean="0">
                 <a:latin typeface="Times New Roman"/>
                 <a:cs typeface="Times New Roman"/>
               </a:rPr>
@@ -11450,7 +11461,7 @@
           </a:p>
           <a:p>
             <a:r>
-              <a:rPr kumimoji="1" lang="en-US" altLang="ja-JP" sz="1400" smtClean="0">
+              <a:rPr kumimoji="1" lang="en-US" altLang="ja-JP" sz="1400" dirty="0" smtClean="0">
                 <a:latin typeface="Times New Roman"/>
                 <a:cs typeface="Times New Roman"/>
               </a:rPr>
